--- a/client/lecture/웹소켓.pptx
+++ b/client/lecture/웹소켓.pptx
@@ -2,7 +2,7 @@
 <file path=ppt/presentation.xml><?xml version="1.0" encoding="utf-8"?>
 <p:presentation xmlns:a="http://schemas.openxmlformats.org/drawingml/2006/main" xmlns:r="http://schemas.openxmlformats.org/officeDocument/2006/relationships" xmlns:p="http://schemas.openxmlformats.org/presentationml/2006/main" xmlns:p14="http://schemas.microsoft.com/office/powerpoint/2010/main" saveSubsetFonts="1">
   <p:sldMasterIdLst>
-    <p:sldMasterId id="2147483677" r:id="rId13"/>
+    <p:sldMasterId id="2147483682" r:id="rId13"/>
   </p:sldMasterIdLst>
   <p:notesMasterIdLst>
     <p:notesMasterId r:id="rId17"/>
@@ -3634,7 +3634,7 @@
         <p:spPr>
           <a:xfrm>
             <a:off x="1269365" y="415290"/>
-            <a:ext cx="7432040" cy="1198880"/>
+            <a:ext cx="7433310" cy="1891665"/>
           </a:xfrm>
           <a:prstGeom prst="rect"/>
           <a:noFill/>
@@ -3675,7 +3675,27 @@
                 <a:latin typeface="Malgun Gothic" charset="0"/>
                 <a:ea typeface="Malgun Gothic" charset="0"/>
               </a:rPr>
-              <a:t>(WebSocketSharp)</a:t>
+              <a:t>(</a:t>
+            </a:r>
+            <a:r>
+              <a:rPr i="0" b="0">
+                <a:solidFill>
+                  <a:srgbClr val="1F2328"/>
+                </a:solidFill>
+                <a:latin typeface="Segoe UI" charset="0"/>
+                <a:ea typeface="-apple-system" charset="0"/>
+              </a:rPr>
+              <a:t>socket.io</a:t>
+            </a:r>
+            <a:r>
+              <a:rPr i="0" b="1">
+                <a:solidFill>
+                  <a:srgbClr val="212529"/>
+                </a:solidFill>
+                <a:latin typeface="Malgun Gothic" charset="0"/>
+                <a:ea typeface="Malgun Gothic" charset="0"/>
+              </a:rPr>
+              <a:t>)</a:t>
             </a:r>
             <a:endParaRPr lang="ko-KR" altLang="en-US" i="0" b="1">
               <a:solidFill>
@@ -3690,35 +3710,6 @@
               <a:buFontTx/>
               <a:buNone/>
             </a:pPr>
-            <a:endParaRPr lang="ko-KR" altLang="en-US" sz="1350" i="0" b="0">
-              <a:solidFill>
-                <a:srgbClr val="212529"/>
-              </a:solidFill>
-              <a:latin typeface="Malgun Gothic" charset="0"/>
-              <a:ea typeface="Malgun Gothic" charset="0"/>
-            </a:endParaRPr>
-          </a:p>
-          <a:p>
-            <a:pPr marL="0" indent="0" algn="l">
-              <a:buFontTx/>
-              <a:buNone/>
-            </a:pPr>
-            <a:r>
-              <a:rPr sz="1345" u="sng" i="0" b="0">
-                <a:solidFill>
-                  <a:srgbClr val="0563C1"/>
-                </a:solidFill>
-                <a:uFill>
-                  <a:solidFill>
-                    <a:srgbClr val="0563C1"/>
-                  </a:solidFill>
-                </a:uFill>
-                <a:latin typeface="Noto Sans Light" charset="0"/>
-                <a:ea typeface="Noto Sans Light" charset="0"/>
-                <a:hlinkClick r:id="rId5"/>
-              </a:rPr>
-              <a:t>https://github.com/sta/websocket-sharp</a:t>
-            </a:r>
             <a:endParaRPr lang="ko-KR" altLang="en-US" sz="1345" i="0" b="0">
               <a:solidFill>
                 <a:srgbClr val="353638"/>
@@ -3733,21 +3724,84 @@
               <a:buNone/>
             </a:pPr>
             <a:r>
-              <a:rPr sz="1345" i="0" b="0">
+              <a:rPr lang="ko-KR" i="0" b="1">
                 <a:solidFill>
-                  <a:srgbClr val="353638"/>
+                  <a:srgbClr val="212529"/>
                 </a:solidFill>
-                <a:latin typeface="Noto Sans Light" charset="0"/>
-                <a:ea typeface="Noto Sans Light" charset="0"/>
+                <a:latin typeface="Malgun Gothic" charset="0"/>
+                <a:ea typeface="Malgun Gothic" charset="0"/>
+                <a:hlinkClick r:id="rId9">
+                  <a:extLst>
+                    <a:ext uri="{A12FA001-AC4F-418D-AE19-62706E023703}">
+                      <ahyp:hlinkClr xmlns:ahyp="http://schemas.microsoft.com/office/drawing/2018/hyperlinkcolor" xmlns="" val="hlink"/>
+                    </a:ext>
+                  </a:extLst>
+                </a:hlinkClick>
               </a:rPr>
-              <a:t>websocket-sharp.sln 파일 빌드하면 bin/Dedug 폴더에  WebSocketSharp.dll</a:t>
-            </a:r>
-            <a:endParaRPr lang="ko-KR" altLang="en-US" sz="1345" i="0" b="0">
+              <a:t>https://github.com/doghappy/socket.io-client-csharp</a:t>
+            </a:r>
+            <a:endParaRPr lang="ko-KR" altLang="en-US" i="0" b="1">
               <a:solidFill>
-                <a:srgbClr val="353638"/>
+                <a:srgbClr val="212529"/>
               </a:solidFill>
-              <a:latin typeface="Noto Sans Light" charset="0"/>
-              <a:ea typeface="Noto Sans Light" charset="0"/>
+              <a:latin typeface="Malgun Gothic" charset="0"/>
+              <a:ea typeface="Malgun Gothic" charset="0"/>
+            </a:endParaRPr>
+          </a:p>
+          <a:p>
+            <a:pPr marL="0" indent="0" algn="l">
+              <a:buFontTx/>
+              <a:buNone/>
+            </a:pPr>
+            <a:r>
+              <a:rPr lang="ko-KR" i="0" b="1">
+                <a:solidFill>
+                  <a:srgbClr val="212529"/>
+                </a:solidFill>
+                <a:latin typeface="Malgun Gothic" charset="0"/>
+                <a:ea typeface="Malgun Gothic" charset="0"/>
+              </a:rPr>
+              <a:t>Src/SocketIOClient</a:t>
+            </a:r>
+            <a:endParaRPr lang="ko-KR" altLang="en-US" i="0" b="1">
+              <a:solidFill>
+                <a:srgbClr val="212529"/>
+              </a:solidFill>
+              <a:latin typeface="Malgun Gothic" charset="0"/>
+              <a:ea typeface="Malgun Gothic" charset="0"/>
+            </a:endParaRPr>
+          </a:p>
+          <a:p>
+            <a:pPr marL="0" indent="0" algn="l">
+              <a:buFontTx/>
+              <a:buNone/>
+            </a:pPr>
+            <a:r>
+              <a:rPr sz="2400" i="0" b="0">
+                <a:solidFill>
+                  <a:srgbClr val="1F2328"/>
+                </a:solidFill>
+                <a:latin typeface="Segoe UI" charset="0"/>
+                <a:ea typeface="-apple-system" charset="0"/>
+              </a:rPr>
+              <a:t>v3.0.8</a:t>
+            </a:r>
+            <a:endParaRPr lang="ko-KR" altLang="en-US" i="0" b="1">
+              <a:solidFill>
+                <a:srgbClr val="212529"/>
+              </a:solidFill>
+              <a:latin typeface="Malgun Gothic" charset="0"/>
+              <a:ea typeface="Malgun Gothic" charset="0"/>
+            </a:endParaRPr>
+          </a:p>
+          <a:p>
+            <a:pPr marL="228600" indent="-228600"/>
+            <a:endParaRPr lang="ko-KR" altLang="en-US" sz="1200" i="0" b="0">
+              <a:solidFill>
+                <a:srgbClr val="1F2328"/>
+              </a:solidFill>
+              <a:latin typeface="Segoe UI" charset="0"/>
+              <a:ea typeface="-apple-system" charset="0"/>
             </a:endParaRPr>
           </a:p>
           <a:p>
@@ -3765,9 +3819,12 @@
               </a:rPr>
               <a:t>Assets/Plugins</a:t>
             </a:r>
-            <a:endParaRPr lang="ko-KR" altLang="en-US" sz="1800">
-              <a:latin typeface="맑은 고딕" charset="0"/>
-              <a:ea typeface="맑은 고딕" charset="0"/>
+            <a:endParaRPr lang="ko-KR" altLang="en-US" sz="1345" i="0" b="0">
+              <a:solidFill>
+                <a:srgbClr val="353638"/>
+              </a:solidFill>
+              <a:latin typeface="Noto Sans Light" charset="0"/>
+              <a:ea typeface="Noto Sans Light" charset="0"/>
             </a:endParaRPr>
           </a:p>
         </p:txBody>
@@ -3879,6 +3936,35 @@
           </a:p>
         </p:txBody>
       </p:sp>
+      <p:pic>
+        <p:nvPicPr>
+          <p:cNvPr id="5" name="그림 1" descr="C:/Users/limsg/AppData/Roaming/PolarisOffice/ETemp/13540_15797248/fImage1077322841.png"/>
+          <p:cNvPicPr>
+            <a:picLocks noChangeAspect="1"/>
+          </p:cNvPicPr>
+          <p:nvPr/>
+        </p:nvPicPr>
+        <p:blipFill rotWithShape="1">
+          <a:blip r:embed="rId10" cstate="print">
+            <a:extLst>
+              <a:ext uri="{28A0092B-C50C-407E-A947-70E740481C1C}">
+                <a14:useLocalDpi xmlns:a14="http://schemas.microsoft.com/office/drawing/2010/main" val="0"/>
+              </a:ext>
+            </a:extLst>
+          </a:blip>
+          <a:stretch>
+            <a:fillRect/>
+          </a:stretch>
+        </p:blipFill>
+        <p:spPr>
+          <a:xfrm rot="0">
+            <a:off x="3985895" y="3204845"/>
+            <a:ext cx="6880225" cy="3264535"/>
+          </a:xfrm>
+          <a:prstGeom prst="rect"/>
+          <a:noFill/>
+        </p:spPr>
+      </p:pic>
     </p:spTree>
   </p:cSld>
   <p:clrMapOvr>
